--- a/er_diagram.pptx
+++ b/er_diagram.pptx
@@ -4059,6 +4059,115 @@
                 <a:schemeClr val="tx1"/>
               </a:solidFill>
             </a:endParaRPr>
+          </a:p>
+        </p:txBody>
+      </p:sp>
+      <p:cxnSp>
+        <p:nvCxnSpPr>
+          <p:cNvPr id="55" name="直線コネクタ 54"/>
+          <p:cNvCxnSpPr>
+            <a:stCxn id="54" idx="0"/>
+            <a:endCxn id="4" idx="2"/>
+          </p:cNvCxnSpPr>
+          <p:nvPr/>
+        </p:nvCxnSpPr>
+        <p:spPr>
+          <a:xfrm flipH="1" flipV="1">
+            <a:off x="2161581" y="3050516"/>
+            <a:ext cx="4980" cy="386925"/>
+          </a:xfrm>
+          <a:prstGeom prst="line">
+            <a:avLst/>
+          </a:prstGeom>
+          <a:ln w="12700" cmpd="sng">
+            <a:solidFill>
+              <a:srgbClr val="000000"/>
+            </a:solidFill>
+          </a:ln>
+          <a:effectLst/>
+        </p:spPr>
+        <p:style>
+          <a:lnRef idx="2">
+            <a:schemeClr val="accent1"/>
+          </a:lnRef>
+          <a:fillRef idx="0">
+            <a:schemeClr val="accent1"/>
+          </a:fillRef>
+          <a:effectRef idx="1">
+            <a:schemeClr val="accent1"/>
+          </a:effectRef>
+          <a:fontRef idx="minor">
+            <a:schemeClr val="tx1"/>
+          </a:fontRef>
+        </p:style>
+      </p:cxnSp>
+      <p:sp>
+        <p:nvSpPr>
+          <p:cNvPr id="25" name="テキスト ボックス 24"/>
+          <p:cNvSpPr txBox="1"/>
+          <p:nvPr/>
+        </p:nvSpPr>
+        <p:spPr>
+          <a:xfrm>
+            <a:off x="3797300" y="3505200"/>
+            <a:ext cx="2828080" cy="1754327"/>
+          </a:xfrm>
+          <a:prstGeom prst="rect">
+            <a:avLst/>
+          </a:prstGeom>
+          <a:noFill/>
+        </p:spPr>
+        <p:txBody>
+          <a:bodyPr wrap="none" rtlCol="0">
+            <a:spAutoFit/>
+          </a:bodyPr>
+          <a:lstStyle/>
+          <a:p>
+            <a:r>
+              <a:rPr kumimoji="1" lang="en-US" altLang="ja-JP" dirty="0" smtClean="0"/>
+              <a:t>Status</a:t>
+            </a:r>
+          </a:p>
+          <a:p>
+            <a:r>
+              <a:rPr lang="en-US" altLang="ja-JP" dirty="0" smtClean="0"/>
+              <a:t>*id</a:t>
+            </a:r>
+          </a:p>
+          <a:p>
+            <a:r>
+              <a:rPr kumimoji="1" lang="en-US" altLang="ja-JP" dirty="0" err="1" smtClean="0"/>
+              <a:t>user_id</a:t>
+            </a:r>
+            <a:endParaRPr kumimoji="1" lang="en-US" altLang="ja-JP" dirty="0" smtClean="0"/>
+          </a:p>
+          <a:p>
+            <a:r>
+              <a:rPr lang="en-US" altLang="ja-JP" dirty="0" smtClean="0"/>
+              <a:t>status : near/in</a:t>
+            </a:r>
+          </a:p>
+          <a:p>
+            <a:r>
+              <a:rPr kumimoji="1" lang="en-US" altLang="ja-JP" dirty="0" smtClean="0"/>
+              <a:t>near </a:t>
+            </a:r>
+            <a:r>
+              <a:rPr kumimoji="1" lang="ja-JP" altLang="en-US" dirty="0" smtClean="0"/>
+              <a:t>ならば次の結果による</a:t>
+            </a:r>
+            <a:endParaRPr kumimoji="1" lang="en-US" altLang="ja-JP" dirty="0" smtClean="0"/>
+          </a:p>
+          <a:p>
+            <a:r>
+              <a:rPr lang="en-US" altLang="ja-JP" dirty="0" smtClean="0"/>
+              <a:t>in </a:t>
+            </a:r>
+            <a:r>
+              <a:rPr lang="ja-JP" altLang="en-US" dirty="0" smtClean="0"/>
+              <a:t>ならばいる</a:t>
+            </a:r>
+            <a:endParaRPr kumimoji="1" lang="ja-JP" altLang="en-US" dirty="0"/>
           </a:p>
         </p:txBody>
       </p:sp>
